--- a/Semester Wise/4th Semester/Operating System/Enviroment01/Presentation1.pptx
+++ b/Semester Wise/4th Semester/Operating System/Enviroment01/Presentation1.pptx
@@ -116,6 +116,11 @@
       </a:defRPr>
     </a:lvl9pPr>
   </p:defaultTextStyle>
+  <p:extLst>
+    <p:ext uri="{EFAFB233-063F-42B5-8137-9DF3F51BA10A}">
+      <p15:sldGuideLst xmlns:p15="http://schemas.microsoft.com/office/powerpoint/2012/main"/>
+    </p:ext>
+  </p:extLst>
 </p:presentation>
 </file>
 
@@ -201,7 +206,7 @@
           <a:p>
             <a:fld id="{93B45BDE-E9AB-4E17-B96D-1C8C82BA1BB3}" type="datetimeFigureOut">
               <a:rPr lang="en-IN" smtClean="0"/>
-              <a:t>15-08-2022</a:t>
+              <a:t>23-08-2022</a:t>
             </a:fld>
             <a:endParaRPr lang="en-IN"/>
           </a:p>
@@ -600,7 +605,7 @@
           <a:p>
             <a:fld id="{C7C7F58C-B38E-467A-B7AD-D435DAD5C79E}" type="datetimeFigureOut">
               <a:rPr lang="en-IN" smtClean="0"/>
-              <a:t>15-08-2022</a:t>
+              <a:t>23-08-2022</a:t>
             </a:fld>
             <a:endParaRPr lang="en-IN"/>
           </a:p>
@@ -770,7 +775,7 @@
           <a:p>
             <a:fld id="{C7C7F58C-B38E-467A-B7AD-D435DAD5C79E}" type="datetimeFigureOut">
               <a:rPr lang="en-IN" smtClean="0"/>
-              <a:t>15-08-2022</a:t>
+              <a:t>23-08-2022</a:t>
             </a:fld>
             <a:endParaRPr lang="en-IN"/>
           </a:p>
@@ -950,7 +955,7 @@
           <a:p>
             <a:fld id="{C7C7F58C-B38E-467A-B7AD-D435DAD5C79E}" type="datetimeFigureOut">
               <a:rPr lang="en-IN" smtClean="0"/>
-              <a:t>15-08-2022</a:t>
+              <a:t>23-08-2022</a:t>
             </a:fld>
             <a:endParaRPr lang="en-IN"/>
           </a:p>
@@ -1120,7 +1125,7 @@
           <a:p>
             <a:fld id="{C7C7F58C-B38E-467A-B7AD-D435DAD5C79E}" type="datetimeFigureOut">
               <a:rPr lang="en-IN" smtClean="0"/>
-              <a:t>15-08-2022</a:t>
+              <a:t>23-08-2022</a:t>
             </a:fld>
             <a:endParaRPr lang="en-IN"/>
           </a:p>
@@ -1364,7 +1369,7 @@
           <a:p>
             <a:fld id="{C7C7F58C-B38E-467A-B7AD-D435DAD5C79E}" type="datetimeFigureOut">
               <a:rPr lang="en-IN" smtClean="0"/>
-              <a:t>15-08-2022</a:t>
+              <a:t>23-08-2022</a:t>
             </a:fld>
             <a:endParaRPr lang="en-IN"/>
           </a:p>
@@ -1596,7 +1601,7 @@
           <a:p>
             <a:fld id="{C7C7F58C-B38E-467A-B7AD-D435DAD5C79E}" type="datetimeFigureOut">
               <a:rPr lang="en-IN" smtClean="0"/>
-              <a:t>15-08-2022</a:t>
+              <a:t>23-08-2022</a:t>
             </a:fld>
             <a:endParaRPr lang="en-IN"/>
           </a:p>
@@ -1963,7 +1968,7 @@
           <a:p>
             <a:fld id="{C7C7F58C-B38E-467A-B7AD-D435DAD5C79E}" type="datetimeFigureOut">
               <a:rPr lang="en-IN" smtClean="0"/>
-              <a:t>15-08-2022</a:t>
+              <a:t>23-08-2022</a:t>
             </a:fld>
             <a:endParaRPr lang="en-IN"/>
           </a:p>
@@ -2081,7 +2086,7 @@
           <a:p>
             <a:fld id="{C7C7F58C-B38E-467A-B7AD-D435DAD5C79E}" type="datetimeFigureOut">
               <a:rPr lang="en-IN" smtClean="0"/>
-              <a:t>15-08-2022</a:t>
+              <a:t>23-08-2022</a:t>
             </a:fld>
             <a:endParaRPr lang="en-IN"/>
           </a:p>
@@ -2176,7 +2181,7 @@
           <a:p>
             <a:fld id="{C7C7F58C-B38E-467A-B7AD-D435DAD5C79E}" type="datetimeFigureOut">
               <a:rPr lang="en-IN" smtClean="0"/>
-              <a:t>15-08-2022</a:t>
+              <a:t>23-08-2022</a:t>
             </a:fld>
             <a:endParaRPr lang="en-IN"/>
           </a:p>
@@ -2453,7 +2458,7 @@
           <a:p>
             <a:fld id="{C7C7F58C-B38E-467A-B7AD-D435DAD5C79E}" type="datetimeFigureOut">
               <a:rPr lang="en-IN" smtClean="0"/>
-              <a:t>15-08-2022</a:t>
+              <a:t>23-08-2022</a:t>
             </a:fld>
             <a:endParaRPr lang="en-IN"/>
           </a:p>
@@ -2710,7 +2715,7 @@
           <a:p>
             <a:fld id="{C7C7F58C-B38E-467A-B7AD-D435DAD5C79E}" type="datetimeFigureOut">
               <a:rPr lang="en-IN" smtClean="0"/>
-              <a:t>15-08-2022</a:t>
+              <a:t>23-08-2022</a:t>
             </a:fld>
             <a:endParaRPr lang="en-IN"/>
           </a:p>
@@ -2923,7 +2928,7 @@
           <a:p>
             <a:fld id="{C7C7F58C-B38E-467A-B7AD-D435DAD5C79E}" type="datetimeFigureOut">
               <a:rPr lang="en-IN" smtClean="0"/>
-              <a:t>15-08-2022</a:t>
+              <a:t>23-08-2022</a:t>
             </a:fld>
             <a:endParaRPr lang="en-IN"/>
           </a:p>
@@ -3445,7 +3450,7 @@
         <p:spPr>
           <a:xfrm>
             <a:off x="-2" y="2"/>
-            <a:ext cx="3307316" cy="646331"/>
+            <a:ext cx="2175596" cy="646331"/>
           </a:xfrm>
           <a:prstGeom prst="rect">
             <a:avLst/>
@@ -3466,12 +3471,42 @@
           <a:p>
             <a:r>
               <a:rPr lang="en-US" dirty="0"/>
-              <a:t>File Allocation Strategies – Linked</a:t>
+              <a:t>Dead Lock Avoidance</a:t>
             </a:r>
             <a:endParaRPr lang="en-IN" dirty="0"/>
           </a:p>
         </p:txBody>
       </p:sp>
+      <p:pic>
+        <p:nvPicPr>
+          <p:cNvPr id="4" name="Picture 3">
+            <a:extLst>
+              <a:ext uri="{FF2B5EF4-FFF2-40B4-BE49-F238E27FC236}">
+                <a16:creationId xmlns:a16="http://schemas.microsoft.com/office/drawing/2014/main" id="{8463329B-F4A0-56D7-5209-AC846C2E87E6}"/>
+              </a:ext>
+            </a:extLst>
+          </p:cNvPr>
+          <p:cNvPicPr>
+            <a:picLocks noChangeAspect="1"/>
+          </p:cNvPicPr>
+          <p:nvPr/>
+        </p:nvPicPr>
+        <p:blipFill>
+          <a:blip r:embed="rId2"/>
+          <a:stretch>
+            <a:fillRect/>
+          </a:stretch>
+        </p:blipFill>
+        <p:spPr>
+          <a:xfrm>
+            <a:off x="-2" y="646333"/>
+            <a:ext cx="12165938" cy="6840000"/>
+          </a:xfrm>
+          <a:prstGeom prst="rect">
+            <a:avLst/>
+          </a:prstGeom>
+        </p:spPr>
+      </p:pic>
     </p:spTree>
     <p:extLst>
       <p:ext uri="{BB962C8B-B14F-4D97-AF65-F5344CB8AC3E}">
